--- a/documents/JavaScript Events.pptx
+++ b/documents/JavaScript Events.pptx
@@ -6,6 +6,11 @@
   </p:sldMasterIdLst>
   <p:sldIdLst>
     <p:sldId id="256" r:id="rId2"/>
+    <p:sldId id="257" r:id="rId3"/>
+    <p:sldId id="258" r:id="rId4"/>
+    <p:sldId id="259" r:id="rId5"/>
+    <p:sldId id="260" r:id="rId6"/>
+    <p:sldId id="261" r:id="rId7"/>
   </p:sldIdLst>
   <p:sldSz cx="12192000" cy="6858000"/>
   <p:notesSz cx="6858000" cy="9144000"/>
@@ -104,6 +109,11 @@
       </a:defRPr>
     </a:lvl9pPr>
   </p:defaultTextStyle>
+  <p:extLst>
+    <p:ext uri="{EFAFB233-063F-42B5-8137-9DF3F51BA10A}">
+      <p15:sldGuideLst xmlns:p15="http://schemas.microsoft.com/office/powerpoint/2012/main"/>
+    </p:ext>
+  </p:extLst>
 </p:presentation>
 </file>
 
@@ -164,7 +174,7 @@
           <a:noFill/>
           <a:extLst>
             <a:ext uri="{909E8E84-426E-40dd-AFC4-6F175D3DCCD1}">
-              <a14:hiddenFill xmlns:a14="http://schemas.microsoft.com/office/drawing/2010/main" xmlns="">
+              <a14:hiddenFill xmlns="" xmlns:a14="http://schemas.microsoft.com/office/drawing/2010/main">
                 <a:solidFill>
                   <a:srgbClr val="FFFFFF"/>
                 </a:solidFill>
@@ -223,7 +233,7 @@
             </a:ln>
             <a:extLst>
               <a:ext uri="{91240B29-F687-4f45-9708-019B960494DF}">
-                <a14:hiddenLine xmlns:a14="http://schemas.microsoft.com/office/drawing/2010/main" xmlns="" w="9525">
+                <a14:hiddenLine xmlns="" xmlns:a14="http://schemas.microsoft.com/office/drawing/2010/main" w="9525">
                   <a:solidFill>
                     <a:srgbClr val="000000"/>
                   </a:solidFill>
@@ -313,7 +323,7 @@
             </a:ln>
             <a:extLst>
               <a:ext uri="{91240B29-F687-4f45-9708-019B960494DF}">
-                <a14:hiddenLine xmlns:a14="http://schemas.microsoft.com/office/drawing/2010/main" xmlns="" w="9525">
+                <a14:hiddenLine xmlns="" xmlns:a14="http://schemas.microsoft.com/office/drawing/2010/main" w="9525">
                   <a:solidFill>
                     <a:srgbClr val="000000"/>
                   </a:solidFill>
@@ -403,7 +413,7 @@
             </a:ln>
             <a:extLst>
               <a:ext uri="{91240B29-F687-4f45-9708-019B960494DF}">
-                <a14:hiddenLine xmlns:a14="http://schemas.microsoft.com/office/drawing/2010/main" xmlns="" w="9525">
+                <a14:hiddenLine xmlns="" xmlns:a14="http://schemas.microsoft.com/office/drawing/2010/main" w="9525">
                   <a:solidFill>
                     <a:srgbClr val="000000"/>
                   </a:solidFill>
@@ -437,7 +447,7 @@
             </a:ln>
             <a:extLst>
               <a:ext uri="{91240B29-F687-4f45-9708-019B960494DF}">
-                <a14:hiddenLine xmlns:a14="http://schemas.microsoft.com/office/drawing/2010/main" xmlns="" w="9525">
+                <a14:hiddenLine xmlns="" xmlns:a14="http://schemas.microsoft.com/office/drawing/2010/main" w="9525">
                   <a:solidFill>
                     <a:srgbClr val="000000"/>
                   </a:solidFill>
@@ -527,7 +537,7 @@
             </a:ln>
             <a:extLst>
               <a:ext uri="{91240B29-F687-4f45-9708-019B960494DF}">
-                <a14:hiddenLine xmlns:a14="http://schemas.microsoft.com/office/drawing/2010/main" xmlns="" w="9525">
+                <a14:hiddenLine xmlns="" xmlns:a14="http://schemas.microsoft.com/office/drawing/2010/main" w="9525">
                   <a:solidFill>
                     <a:srgbClr val="000000"/>
                   </a:solidFill>
@@ -589,7 +599,7 @@
             </a:ln>
             <a:extLst>
               <a:ext uri="{91240B29-F687-4f45-9708-019B960494DF}">
-                <a14:hiddenLine xmlns:a14="http://schemas.microsoft.com/office/drawing/2010/main" xmlns="" w="9525">
+                <a14:hiddenLine xmlns="" xmlns:a14="http://schemas.microsoft.com/office/drawing/2010/main" w="9525">
                   <a:solidFill>
                     <a:srgbClr val="000000"/>
                   </a:solidFill>
@@ -651,7 +661,7 @@
             </a:ln>
             <a:extLst>
               <a:ext uri="{91240B29-F687-4f45-9708-019B960494DF}">
-                <a14:hiddenLine xmlns:a14="http://schemas.microsoft.com/office/drawing/2010/main" xmlns="" w="9525">
+                <a14:hiddenLine xmlns="" xmlns:a14="http://schemas.microsoft.com/office/drawing/2010/main" w="9525">
                   <a:solidFill>
                     <a:srgbClr val="000000"/>
                   </a:solidFill>
@@ -741,7 +751,7 @@
             </a:ln>
             <a:extLst>
               <a:ext uri="{91240B29-F687-4f45-9708-019B960494DF}">
-                <a14:hiddenLine xmlns:a14="http://schemas.microsoft.com/office/drawing/2010/main" xmlns="" w="9525">
+                <a14:hiddenLine xmlns="" xmlns:a14="http://schemas.microsoft.com/office/drawing/2010/main" w="9525">
                   <a:solidFill>
                     <a:srgbClr val="000000"/>
                   </a:solidFill>
@@ -803,7 +813,7 @@
             </a:ln>
             <a:extLst>
               <a:ext uri="{91240B29-F687-4f45-9708-019B960494DF}">
-                <a14:hiddenLine xmlns:a14="http://schemas.microsoft.com/office/drawing/2010/main" xmlns="" w="9525">
+                <a14:hiddenLine xmlns="" xmlns:a14="http://schemas.microsoft.com/office/drawing/2010/main" w="9525">
                   <a:solidFill>
                     <a:srgbClr val="000000"/>
                   </a:solidFill>
@@ -865,7 +875,7 @@
             </a:ln>
             <a:extLst>
               <a:ext uri="{91240B29-F687-4f45-9708-019B960494DF}">
-                <a14:hiddenLine xmlns:a14="http://schemas.microsoft.com/office/drawing/2010/main" xmlns="" w="9525">
+                <a14:hiddenLine xmlns="" xmlns:a14="http://schemas.microsoft.com/office/drawing/2010/main" w="9525">
                   <a:solidFill>
                     <a:srgbClr val="000000"/>
                   </a:solidFill>
@@ -955,7 +965,7 @@
             </a:ln>
             <a:extLst>
               <a:ext uri="{91240B29-F687-4f45-9708-019B960494DF}">
-                <a14:hiddenLine xmlns:a14="http://schemas.microsoft.com/office/drawing/2010/main" xmlns="" w="9525">
+                <a14:hiddenLine xmlns="" xmlns:a14="http://schemas.microsoft.com/office/drawing/2010/main" w="9525">
                   <a:solidFill>
                     <a:srgbClr val="000000"/>
                   </a:solidFill>
@@ -1045,7 +1055,7 @@
             </a:ln>
             <a:extLst>
               <a:ext uri="{91240B29-F687-4f45-9708-019B960494DF}">
-                <a14:hiddenLine xmlns:a14="http://schemas.microsoft.com/office/drawing/2010/main" xmlns="" w="9525">
+                <a14:hiddenLine xmlns="" xmlns:a14="http://schemas.microsoft.com/office/drawing/2010/main" w="9525">
                   <a:solidFill>
                     <a:srgbClr val="000000"/>
                   </a:solidFill>
@@ -1107,7 +1117,7 @@
             </a:ln>
             <a:extLst>
               <a:ext uri="{91240B29-F687-4f45-9708-019B960494DF}">
-                <a14:hiddenLine xmlns:a14="http://schemas.microsoft.com/office/drawing/2010/main" xmlns="" w="9525">
+                <a14:hiddenLine xmlns="" xmlns:a14="http://schemas.microsoft.com/office/drawing/2010/main" w="9525">
                   <a:solidFill>
                     <a:srgbClr val="000000"/>
                   </a:solidFill>
@@ -1217,7 +1227,7 @@
             </a:ln>
             <a:extLst>
               <a:ext uri="{91240B29-F687-4f45-9708-019B960494DF}">
-                <a14:hiddenLine xmlns:a14="http://schemas.microsoft.com/office/drawing/2010/main" xmlns="" w="9525">
+                <a14:hiddenLine xmlns="" xmlns:a14="http://schemas.microsoft.com/office/drawing/2010/main" w="9525">
                   <a:solidFill>
                     <a:srgbClr val="000000"/>
                   </a:solidFill>
@@ -1279,7 +1289,7 @@
             </a:ln>
             <a:extLst>
               <a:ext uri="{91240B29-F687-4f45-9708-019B960494DF}">
-                <a14:hiddenLine xmlns:a14="http://schemas.microsoft.com/office/drawing/2010/main" xmlns="" w="9525">
+                <a14:hiddenLine xmlns="" xmlns:a14="http://schemas.microsoft.com/office/drawing/2010/main" w="9525">
                   <a:solidFill>
                     <a:srgbClr val="000000"/>
                   </a:solidFill>
@@ -1369,7 +1379,7 @@
             </a:ln>
             <a:extLst>
               <a:ext uri="{91240B29-F687-4f45-9708-019B960494DF}">
-                <a14:hiddenLine xmlns:a14="http://schemas.microsoft.com/office/drawing/2010/main" xmlns="" w="9525">
+                <a14:hiddenLine xmlns="" xmlns:a14="http://schemas.microsoft.com/office/drawing/2010/main" w="9525">
                   <a:solidFill>
                     <a:srgbClr val="000000"/>
                   </a:solidFill>
@@ -1459,7 +1469,7 @@
             </a:ln>
             <a:extLst>
               <a:ext uri="{91240B29-F687-4f45-9708-019B960494DF}">
-                <a14:hiddenLine xmlns:a14="http://schemas.microsoft.com/office/drawing/2010/main" xmlns="" w="9525">
+                <a14:hiddenLine xmlns="" xmlns:a14="http://schemas.microsoft.com/office/drawing/2010/main" w="9525">
                   <a:solidFill>
                     <a:srgbClr val="000000"/>
                   </a:solidFill>
@@ -1521,7 +1531,7 @@
             </a:ln>
             <a:extLst>
               <a:ext uri="{91240B29-F687-4f45-9708-019B960494DF}">
-                <a14:hiddenLine xmlns:a14="http://schemas.microsoft.com/office/drawing/2010/main" xmlns="" w="9525">
+                <a14:hiddenLine xmlns="" xmlns:a14="http://schemas.microsoft.com/office/drawing/2010/main" w="9525">
                   <a:solidFill>
                     <a:srgbClr val="000000"/>
                   </a:solidFill>
@@ -1611,7 +1621,7 @@
             </a:ln>
             <a:extLst>
               <a:ext uri="{91240B29-F687-4f45-9708-019B960494DF}">
-                <a14:hiddenLine xmlns:a14="http://schemas.microsoft.com/office/drawing/2010/main" xmlns="" w="9525">
+                <a14:hiddenLine xmlns="" xmlns:a14="http://schemas.microsoft.com/office/drawing/2010/main" w="9525">
                   <a:solidFill>
                     <a:srgbClr val="000000"/>
                   </a:solidFill>
@@ -1701,7 +1711,7 @@
             </a:ln>
             <a:extLst>
               <a:ext uri="{91240B29-F687-4f45-9708-019B960494DF}">
-                <a14:hiddenLine xmlns:a14="http://schemas.microsoft.com/office/drawing/2010/main" xmlns="" w="9525">
+                <a14:hiddenLine xmlns="" xmlns:a14="http://schemas.microsoft.com/office/drawing/2010/main" w="9525">
                   <a:solidFill>
                     <a:srgbClr val="000000"/>
                   </a:solidFill>
@@ -1757,7 +1767,7 @@
             </a:ln>
             <a:extLst>
               <a:ext uri="{91240B29-F687-4f45-9708-019B960494DF}">
-                <a14:hiddenLine xmlns:a14="http://schemas.microsoft.com/office/drawing/2010/main" xmlns="" w="9525">
+                <a14:hiddenLine xmlns="" xmlns:a14="http://schemas.microsoft.com/office/drawing/2010/main" w="9525">
                   <a:solidFill>
                     <a:srgbClr val="000000"/>
                   </a:solidFill>
@@ -1847,7 +1857,7 @@
             </a:ln>
             <a:extLst>
               <a:ext uri="{91240B29-F687-4f45-9708-019B960494DF}">
-                <a14:hiddenLine xmlns:a14="http://schemas.microsoft.com/office/drawing/2010/main" xmlns="" w="9525">
+                <a14:hiddenLine xmlns="" xmlns:a14="http://schemas.microsoft.com/office/drawing/2010/main" w="9525">
                   <a:solidFill>
                     <a:srgbClr val="000000"/>
                   </a:solidFill>
@@ -1903,7 +1913,7 @@
             </a:ln>
             <a:extLst>
               <a:ext uri="{91240B29-F687-4f45-9708-019B960494DF}">
-                <a14:hiddenLine xmlns:a14="http://schemas.microsoft.com/office/drawing/2010/main" xmlns="" w="9525">
+                <a14:hiddenLine xmlns="" xmlns:a14="http://schemas.microsoft.com/office/drawing/2010/main" w="9525">
                   <a:solidFill>
                     <a:srgbClr val="000000"/>
                   </a:solidFill>
@@ -1993,7 +2003,7 @@
             </a:ln>
             <a:extLst>
               <a:ext uri="{91240B29-F687-4f45-9708-019B960494DF}">
-                <a14:hiddenLine xmlns:a14="http://schemas.microsoft.com/office/drawing/2010/main" xmlns="" w="9525">
+                <a14:hiddenLine xmlns="" xmlns:a14="http://schemas.microsoft.com/office/drawing/2010/main" w="9525">
                   <a:solidFill>
                     <a:srgbClr val="000000"/>
                   </a:solidFill>
@@ -2061,7 +2071,7 @@
             </a:ln>
             <a:extLst>
               <a:ext uri="{91240B29-F687-4f45-9708-019B960494DF}">
-                <a14:hiddenLine xmlns:a14="http://schemas.microsoft.com/office/drawing/2010/main" xmlns="" w="9525">
+                <a14:hiddenLine xmlns="" xmlns:a14="http://schemas.microsoft.com/office/drawing/2010/main" w="9525">
                   <a:solidFill>
                     <a:srgbClr val="000000"/>
                   </a:solidFill>
@@ -2151,7 +2161,7 @@
             </a:ln>
             <a:extLst>
               <a:ext uri="{91240B29-F687-4f45-9708-019B960494DF}">
-                <a14:hiddenLine xmlns:a14="http://schemas.microsoft.com/office/drawing/2010/main" xmlns="" w="9525">
+                <a14:hiddenLine xmlns="" xmlns:a14="http://schemas.microsoft.com/office/drawing/2010/main" w="9525">
                   <a:solidFill>
                     <a:srgbClr val="000000"/>
                   </a:solidFill>
@@ -2219,7 +2229,7 @@
             </a:ln>
             <a:extLst>
               <a:ext uri="{91240B29-F687-4f45-9708-019B960494DF}">
-                <a14:hiddenLine xmlns:a14="http://schemas.microsoft.com/office/drawing/2010/main" xmlns="" w="9525">
+                <a14:hiddenLine xmlns="" xmlns:a14="http://schemas.microsoft.com/office/drawing/2010/main" w="9525">
                   <a:solidFill>
                     <a:srgbClr val="000000"/>
                   </a:solidFill>
@@ -2309,7 +2319,7 @@
             </a:ln>
             <a:extLst>
               <a:ext uri="{91240B29-F687-4f45-9708-019B960494DF}">
-                <a14:hiddenLine xmlns:a14="http://schemas.microsoft.com/office/drawing/2010/main" xmlns="" w="9525">
+                <a14:hiddenLine xmlns="" xmlns:a14="http://schemas.microsoft.com/office/drawing/2010/main" w="9525">
                   <a:solidFill>
                     <a:srgbClr val="000000"/>
                   </a:solidFill>
@@ -2343,7 +2353,7 @@
             </a:ln>
             <a:extLst>
               <a:ext uri="{91240B29-F687-4f45-9708-019B960494DF}">
-                <a14:hiddenLine xmlns:a14="http://schemas.microsoft.com/office/drawing/2010/main" xmlns="" w="9525">
+                <a14:hiddenLine xmlns="" xmlns:a14="http://schemas.microsoft.com/office/drawing/2010/main" w="9525">
                   <a:solidFill>
                     <a:srgbClr val="000000"/>
                   </a:solidFill>
@@ -2433,7 +2443,7 @@
             </a:ln>
             <a:extLst>
               <a:ext uri="{91240B29-F687-4f45-9708-019B960494DF}">
-                <a14:hiddenLine xmlns:a14="http://schemas.microsoft.com/office/drawing/2010/main" xmlns="" w="9525">
+                <a14:hiddenLine xmlns="" xmlns:a14="http://schemas.microsoft.com/office/drawing/2010/main" w="9525">
                   <a:solidFill>
                     <a:srgbClr val="000000"/>
                   </a:solidFill>
@@ -2495,7 +2505,7 @@
             </a:ln>
             <a:extLst>
               <a:ext uri="{91240B29-F687-4f45-9708-019B960494DF}">
-                <a14:hiddenLine xmlns:a14="http://schemas.microsoft.com/office/drawing/2010/main" xmlns="" w="9525">
+                <a14:hiddenLine xmlns="" xmlns:a14="http://schemas.microsoft.com/office/drawing/2010/main" w="9525">
                   <a:solidFill>
                     <a:srgbClr val="000000"/>
                   </a:solidFill>
@@ -2557,7 +2567,7 @@
             </a:ln>
             <a:extLst>
               <a:ext uri="{91240B29-F687-4f45-9708-019B960494DF}">
-                <a14:hiddenLine xmlns:a14="http://schemas.microsoft.com/office/drawing/2010/main" xmlns="" w="9525">
+                <a14:hiddenLine xmlns="" xmlns:a14="http://schemas.microsoft.com/office/drawing/2010/main" w="9525">
                   <a:solidFill>
                     <a:srgbClr val="000000"/>
                   </a:solidFill>
@@ -2647,7 +2657,7 @@
             </a:ln>
             <a:extLst>
               <a:ext uri="{91240B29-F687-4f45-9708-019B960494DF}">
-                <a14:hiddenLine xmlns:a14="http://schemas.microsoft.com/office/drawing/2010/main" xmlns="" w="9525">
+                <a14:hiddenLine xmlns="" xmlns:a14="http://schemas.microsoft.com/office/drawing/2010/main" w="9525">
                   <a:solidFill>
                     <a:srgbClr val="000000"/>
                   </a:solidFill>
@@ -2715,7 +2725,7 @@
             </a:ln>
             <a:extLst>
               <a:ext uri="{91240B29-F687-4f45-9708-019B960494DF}">
-                <a14:hiddenLine xmlns:a14="http://schemas.microsoft.com/office/drawing/2010/main" xmlns="" w="9525">
+                <a14:hiddenLine xmlns="" xmlns:a14="http://schemas.microsoft.com/office/drawing/2010/main" w="9525">
                   <a:solidFill>
                     <a:srgbClr val="000000"/>
                   </a:solidFill>
@@ -2777,7 +2787,7 @@
             </a:ln>
             <a:extLst>
               <a:ext uri="{91240B29-F687-4f45-9708-019B960494DF}">
-                <a14:hiddenLine xmlns:a14="http://schemas.microsoft.com/office/drawing/2010/main" xmlns="" w="9525">
+                <a14:hiddenLine xmlns="" xmlns:a14="http://schemas.microsoft.com/office/drawing/2010/main" w="9525">
                   <a:solidFill>
                     <a:srgbClr val="000000"/>
                   </a:solidFill>
@@ -2867,7 +2877,7 @@
             </a:ln>
             <a:extLst>
               <a:ext uri="{91240B29-F687-4f45-9708-019B960494DF}">
-                <a14:hiddenLine xmlns:a14="http://schemas.microsoft.com/office/drawing/2010/main" xmlns="" w="9525">
+                <a14:hiddenLine xmlns="" xmlns:a14="http://schemas.microsoft.com/office/drawing/2010/main" w="9525">
                   <a:solidFill>
                     <a:srgbClr val="000000"/>
                   </a:solidFill>
@@ -2929,7 +2939,7 @@
             </a:ln>
             <a:extLst>
               <a:ext uri="{91240B29-F687-4f45-9708-019B960494DF}">
-                <a14:hiddenLine xmlns:a14="http://schemas.microsoft.com/office/drawing/2010/main" xmlns="" w="9525">
+                <a14:hiddenLine xmlns="" xmlns:a14="http://schemas.microsoft.com/office/drawing/2010/main" w="9525">
                   <a:solidFill>
                     <a:srgbClr val="000000"/>
                   </a:solidFill>
@@ -3019,7 +3029,7 @@
             </a:ln>
             <a:extLst>
               <a:ext uri="{91240B29-F687-4f45-9708-019B960494DF}">
-                <a14:hiddenLine xmlns:a14="http://schemas.microsoft.com/office/drawing/2010/main" xmlns="" w="9525">
+                <a14:hiddenLine xmlns="" xmlns:a14="http://schemas.microsoft.com/office/drawing/2010/main" w="9525">
                   <a:solidFill>
                     <a:srgbClr val="000000"/>
                   </a:solidFill>
@@ -3081,7 +3091,7 @@
             </a:ln>
             <a:extLst>
               <a:ext uri="{91240B29-F687-4f45-9708-019B960494DF}">
-                <a14:hiddenLine xmlns:a14="http://schemas.microsoft.com/office/drawing/2010/main" xmlns="" w="9525">
+                <a14:hiddenLine xmlns="" xmlns:a14="http://schemas.microsoft.com/office/drawing/2010/main" w="9525">
                   <a:solidFill>
                     <a:srgbClr val="000000"/>
                   </a:solidFill>
@@ -3171,7 +3181,7 @@
             </a:ln>
             <a:extLst>
               <a:ext uri="{91240B29-F687-4f45-9708-019B960494DF}">
-                <a14:hiddenLine xmlns:a14="http://schemas.microsoft.com/office/drawing/2010/main" xmlns="" w="9525">
+                <a14:hiddenLine xmlns="" xmlns:a14="http://schemas.microsoft.com/office/drawing/2010/main" w="9525">
                   <a:solidFill>
                     <a:srgbClr val="000000"/>
                   </a:solidFill>
@@ -3205,7 +3215,7 @@
             </a:ln>
             <a:extLst>
               <a:ext uri="{91240B29-F687-4f45-9708-019B960494DF}">
-                <a14:hiddenLine xmlns:a14="http://schemas.microsoft.com/office/drawing/2010/main" xmlns="" w="9525">
+                <a14:hiddenLine xmlns="" xmlns:a14="http://schemas.microsoft.com/office/drawing/2010/main" w="9525">
                   <a:solidFill>
                     <a:srgbClr val="000000"/>
                   </a:solidFill>
@@ -3270,7 +3280,7 @@
             </a:ln>
             <a:extLst>
               <a:ext uri="{91240B29-F687-4f45-9708-019B960494DF}">
-                <a14:hiddenLine xmlns:a14="http://schemas.microsoft.com/office/drawing/2010/main" xmlns="" w="9525">
+                <a14:hiddenLine xmlns="" xmlns:a14="http://schemas.microsoft.com/office/drawing/2010/main" w="9525">
                   <a:solidFill>
                     <a:srgbClr val="000000"/>
                   </a:solidFill>
@@ -3360,7 +3370,7 @@
             </a:ln>
             <a:extLst>
               <a:ext uri="{91240B29-F687-4f45-9708-019B960494DF}">
-                <a14:hiddenLine xmlns:a14="http://schemas.microsoft.com/office/drawing/2010/main" xmlns="" w="9525">
+                <a14:hiddenLine xmlns="" xmlns:a14="http://schemas.microsoft.com/office/drawing/2010/main" w="9525">
                   <a:solidFill>
                     <a:srgbClr val="000000"/>
                   </a:solidFill>
@@ -3422,7 +3432,7 @@
             </a:ln>
             <a:extLst>
               <a:ext uri="{91240B29-F687-4f45-9708-019B960494DF}">
-                <a14:hiddenLine xmlns:a14="http://schemas.microsoft.com/office/drawing/2010/main" xmlns="" w="9525">
+                <a14:hiddenLine xmlns="" xmlns:a14="http://schemas.microsoft.com/office/drawing/2010/main" w="9525">
                   <a:solidFill>
                     <a:srgbClr val="000000"/>
                   </a:solidFill>
@@ -3512,7 +3522,7 @@
             </a:ln>
             <a:extLst>
               <a:ext uri="{91240B29-F687-4f45-9708-019B960494DF}">
-                <a14:hiddenLine xmlns:a14="http://schemas.microsoft.com/office/drawing/2010/main" xmlns="" w="9525">
+                <a14:hiddenLine xmlns="" xmlns:a14="http://schemas.microsoft.com/office/drawing/2010/main" w="9525">
                   <a:solidFill>
                     <a:srgbClr val="000000"/>
                   </a:solidFill>
@@ -3602,7 +3612,7 @@
             </a:ln>
             <a:extLst>
               <a:ext uri="{91240B29-F687-4f45-9708-019B960494DF}">
-                <a14:hiddenLine xmlns:a14="http://schemas.microsoft.com/office/drawing/2010/main" xmlns="" w="9525">
+                <a14:hiddenLine xmlns="" xmlns:a14="http://schemas.microsoft.com/office/drawing/2010/main" w="9525">
                   <a:solidFill>
                     <a:srgbClr val="000000"/>
                   </a:solidFill>
@@ -3667,7 +3677,7 @@
             </a:ln>
             <a:extLst>
               <a:ext uri="{91240B29-F687-4f45-9708-019B960494DF}">
-                <a14:hiddenLine xmlns:a14="http://schemas.microsoft.com/office/drawing/2010/main" xmlns="" w="9525">
+                <a14:hiddenLine xmlns="" xmlns:a14="http://schemas.microsoft.com/office/drawing/2010/main" w="9525">
                   <a:solidFill>
                     <a:srgbClr val="000000"/>
                   </a:solidFill>
@@ -3729,7 +3739,7 @@
             </a:ln>
             <a:extLst>
               <a:ext uri="{91240B29-F687-4f45-9708-019B960494DF}">
-                <a14:hiddenLine xmlns:a14="http://schemas.microsoft.com/office/drawing/2010/main" xmlns="" w="9525">
+                <a14:hiddenLine xmlns="" xmlns:a14="http://schemas.microsoft.com/office/drawing/2010/main" w="9525">
                   <a:solidFill>
                     <a:srgbClr val="000000"/>
                   </a:solidFill>
@@ -3819,7 +3829,7 @@
             </a:ln>
             <a:extLst>
               <a:ext uri="{91240B29-F687-4f45-9708-019B960494DF}">
-                <a14:hiddenLine xmlns:a14="http://schemas.microsoft.com/office/drawing/2010/main" xmlns="" w="9525">
+                <a14:hiddenLine xmlns="" xmlns:a14="http://schemas.microsoft.com/office/drawing/2010/main" w="9525">
                   <a:solidFill>
                     <a:srgbClr val="000000"/>
                   </a:solidFill>
@@ -3909,7 +3919,7 @@
             </a:ln>
             <a:extLst>
               <a:ext uri="{91240B29-F687-4f45-9708-019B960494DF}">
-                <a14:hiddenLine xmlns:a14="http://schemas.microsoft.com/office/drawing/2010/main" xmlns="" w="9525">
+                <a14:hiddenLine xmlns="" xmlns:a14="http://schemas.microsoft.com/office/drawing/2010/main" w="9525">
                   <a:solidFill>
                     <a:srgbClr val="000000"/>
                   </a:solidFill>
@@ -3971,7 +3981,7 @@
             </a:ln>
             <a:extLst>
               <a:ext uri="{91240B29-F687-4f45-9708-019B960494DF}">
-                <a14:hiddenLine xmlns:a14="http://schemas.microsoft.com/office/drawing/2010/main" xmlns="" w="9525">
+                <a14:hiddenLine xmlns="" xmlns:a14="http://schemas.microsoft.com/office/drawing/2010/main" w="9525">
                   <a:solidFill>
                     <a:srgbClr val="000000"/>
                   </a:solidFill>
@@ -4091,7 +4101,7 @@
             </a:ln>
             <a:extLst>
               <a:ext uri="{91240B29-F687-4f45-9708-019B960494DF}">
-                <a14:hiddenLine xmlns:a14="http://schemas.microsoft.com/office/drawing/2010/main" xmlns="" w="9525">
+                <a14:hiddenLine xmlns="" xmlns:a14="http://schemas.microsoft.com/office/drawing/2010/main" w="9525">
                   <a:solidFill>
                     <a:srgbClr val="000000"/>
                   </a:solidFill>
@@ -4159,7 +4169,7 @@
             </a:ln>
             <a:extLst>
               <a:ext uri="{91240B29-F687-4f45-9708-019B960494DF}">
-                <a14:hiddenLine xmlns:a14="http://schemas.microsoft.com/office/drawing/2010/main" xmlns="" w="9525">
+                <a14:hiddenLine xmlns="" xmlns:a14="http://schemas.microsoft.com/office/drawing/2010/main" w="9525">
                   <a:solidFill>
                     <a:srgbClr val="000000"/>
                   </a:solidFill>
@@ -4249,7 +4259,7 @@
             </a:ln>
             <a:extLst>
               <a:ext uri="{91240B29-F687-4f45-9708-019B960494DF}">
-                <a14:hiddenLine xmlns:a14="http://schemas.microsoft.com/office/drawing/2010/main" xmlns="" w="9525">
+                <a14:hiddenLine xmlns="" xmlns:a14="http://schemas.microsoft.com/office/drawing/2010/main" w="9525">
                   <a:solidFill>
                     <a:srgbClr val="000000"/>
                   </a:solidFill>
@@ -4389,7 +4399,7 @@
           <a:p>
             <a:fld id="{48A87A34-81AB-432B-8DAE-1953F412C126}" type="datetimeFigureOut">
               <a:rPr lang="en-US" dirty="0"/>
-              <a:t>5/23/2018</a:t>
+              <a:t>5/30/2018</a:t>
             </a:fld>
             <a:endParaRPr lang="en-US" dirty="0"/>
           </a:p>
@@ -4651,7 +4661,7 @@
           <a:p>
             <a:fld id="{48A87A34-81AB-432B-8DAE-1953F412C126}" type="datetimeFigureOut">
               <a:rPr lang="en-US" dirty="0"/>
-              <a:t>5/23/2018</a:t>
+              <a:t>5/30/2018</a:t>
             </a:fld>
             <a:endParaRPr lang="en-US" dirty="0"/>
           </a:p>
@@ -4842,7 +4852,7 @@
           <a:p>
             <a:fld id="{48A87A34-81AB-432B-8DAE-1953F412C126}" type="datetimeFigureOut">
               <a:rPr lang="en-US" dirty="0"/>
-              <a:t>5/23/2018</a:t>
+              <a:t>5/30/2018</a:t>
             </a:fld>
             <a:endParaRPr lang="en-US" dirty="0"/>
           </a:p>
@@ -5100,7 +5110,7 @@
           <a:p>
             <a:fld id="{48A87A34-81AB-432B-8DAE-1953F412C126}" type="datetimeFigureOut">
               <a:rPr lang="en-US" dirty="0"/>
-              <a:t>5/23/2018</a:t>
+              <a:t>5/30/2018</a:t>
             </a:fld>
             <a:endParaRPr lang="en-US" dirty="0"/>
           </a:p>
@@ -5529,7 +5539,7 @@
           <a:p>
             <a:fld id="{48A87A34-81AB-432B-8DAE-1953F412C126}" type="datetimeFigureOut">
               <a:rPr lang="en-US" dirty="0"/>
-              <a:t>5/23/2018</a:t>
+              <a:t>5/30/2018</a:t>
             </a:fld>
             <a:endParaRPr lang="en-US" dirty="0"/>
           </a:p>
@@ -6070,7 +6080,7 @@
           <a:p>
             <a:fld id="{48A87A34-81AB-432B-8DAE-1953F412C126}" type="datetimeFigureOut">
               <a:rPr lang="en-US" dirty="0"/>
-              <a:t>5/23/2018</a:t>
+              <a:t>5/30/2018</a:t>
             </a:fld>
             <a:endParaRPr lang="en-US" dirty="0"/>
           </a:p>
@@ -6785,7 +6795,7 @@
           <a:p>
             <a:fld id="{48A87A34-81AB-432B-8DAE-1953F412C126}" type="datetimeFigureOut">
               <a:rPr lang="en-US" dirty="0"/>
-              <a:t>5/23/2018</a:t>
+              <a:t>5/30/2018</a:t>
             </a:fld>
             <a:endParaRPr lang="en-US" dirty="0"/>
           </a:p>
@@ -6950,7 +6960,7 @@
           <a:p>
             <a:fld id="{48A87A34-81AB-432B-8DAE-1953F412C126}" type="datetimeFigureOut">
               <a:rPr lang="en-US" dirty="0"/>
-              <a:t>5/23/2018</a:t>
+              <a:t>5/30/2018</a:t>
             </a:fld>
             <a:endParaRPr lang="en-US" dirty="0"/>
           </a:p>
@@ -7125,7 +7135,7 @@
           <a:p>
             <a:fld id="{48A87A34-81AB-432B-8DAE-1953F412C126}" type="datetimeFigureOut">
               <a:rPr lang="en-US" dirty="0"/>
-              <a:t>5/23/2018</a:t>
+              <a:t>5/30/2018</a:t>
             </a:fld>
             <a:endParaRPr lang="en-US" dirty="0"/>
           </a:p>
@@ -7290,7 +7300,7 @@
           <a:p>
             <a:fld id="{48A87A34-81AB-432B-8DAE-1953F412C126}" type="datetimeFigureOut">
               <a:rPr lang="en-US" dirty="0"/>
-              <a:t>5/23/2018</a:t>
+              <a:t>5/30/2018</a:t>
             </a:fld>
             <a:endParaRPr lang="en-US" dirty="0"/>
           </a:p>
@@ -7535,7 +7545,7 @@
           <a:p>
             <a:fld id="{48A87A34-81AB-432B-8DAE-1953F412C126}" type="datetimeFigureOut">
               <a:rPr lang="en-US" dirty="0"/>
-              <a:t>5/23/2018</a:t>
+              <a:t>5/30/2018</a:t>
             </a:fld>
             <a:endParaRPr lang="en-US" dirty="0"/>
           </a:p>
@@ -7762,7 +7772,7 @@
           <a:p>
             <a:fld id="{48A87A34-81AB-432B-8DAE-1953F412C126}" type="datetimeFigureOut">
               <a:rPr lang="en-US" dirty="0"/>
-              <a:t>5/23/2018</a:t>
+              <a:t>5/30/2018</a:t>
             </a:fld>
             <a:endParaRPr lang="en-US" dirty="0"/>
           </a:p>
@@ -8138,7 +8148,7 @@
           <a:p>
             <a:fld id="{48A87A34-81AB-432B-8DAE-1953F412C126}" type="datetimeFigureOut">
               <a:rPr lang="en-US" dirty="0"/>
-              <a:t>5/23/2018</a:t>
+              <a:t>5/30/2018</a:t>
             </a:fld>
             <a:endParaRPr lang="en-US" dirty="0"/>
           </a:p>
@@ -8251,7 +8261,7 @@
           <a:p>
             <a:fld id="{48A87A34-81AB-432B-8DAE-1953F412C126}" type="datetimeFigureOut">
               <a:rPr lang="en-US" dirty="0"/>
-              <a:t>5/23/2018</a:t>
+              <a:t>5/30/2018</a:t>
             </a:fld>
             <a:endParaRPr lang="en-US" dirty="0"/>
           </a:p>
@@ -8341,7 +8351,7 @@
           <a:p>
             <a:fld id="{48A87A34-81AB-432B-8DAE-1953F412C126}" type="datetimeFigureOut">
               <a:rPr lang="en-US" dirty="0"/>
-              <a:t>5/23/2018</a:t>
+              <a:t>5/30/2018</a:t>
             </a:fld>
             <a:endParaRPr lang="en-US" dirty="0"/>
           </a:p>
@@ -8585,7 +8595,7 @@
           <a:p>
             <a:fld id="{48A87A34-81AB-432B-8DAE-1953F412C126}" type="datetimeFigureOut">
               <a:rPr lang="en-US" dirty="0"/>
-              <a:t>5/23/2018</a:t>
+              <a:t>5/30/2018</a:t>
             </a:fld>
             <a:endParaRPr lang="en-US" dirty="0"/>
           </a:p>
@@ -8860,7 +8870,7 @@
           <a:p>
             <a:fld id="{48A87A34-81AB-432B-8DAE-1953F412C126}" type="datetimeFigureOut">
               <a:rPr lang="en-US" dirty="0"/>
-              <a:t>5/23/2018</a:t>
+              <a:t>5/30/2018</a:t>
             </a:fld>
             <a:endParaRPr lang="en-US" dirty="0"/>
           </a:p>
@@ -8978,7 +8988,7 @@
           <a:noFill/>
           <a:extLst>
             <a:ext uri="{909E8E84-426E-40dd-AFC4-6F175D3DCCD1}">
-              <a14:hiddenFill xmlns:a14="http://schemas.microsoft.com/office/drawing/2010/main" xmlns="">
+              <a14:hiddenFill xmlns="" xmlns:a14="http://schemas.microsoft.com/office/drawing/2010/main">
                 <a:solidFill>
                   <a:srgbClr val="FFFFFF"/>
                 </a:solidFill>
@@ -9052,7 +9062,7 @@
               </a:ln>
               <a:extLst>
                 <a:ext uri="{91240B29-F687-4f45-9708-019B960494DF}">
-                  <a14:hiddenLine xmlns:a14="http://schemas.microsoft.com/office/drawing/2010/main" xmlns="" w="9525">
+                  <a14:hiddenLine xmlns="" xmlns:a14="http://schemas.microsoft.com/office/drawing/2010/main" w="9525">
                     <a:solidFill>
                       <a:srgbClr val="000000"/>
                     </a:solidFill>
@@ -9142,7 +9152,7 @@
               </a:ln>
               <a:extLst>
                 <a:ext uri="{91240B29-F687-4f45-9708-019B960494DF}">
-                  <a14:hiddenLine xmlns:a14="http://schemas.microsoft.com/office/drawing/2010/main" xmlns="" w="9525">
+                  <a14:hiddenLine xmlns="" xmlns:a14="http://schemas.microsoft.com/office/drawing/2010/main" w="9525">
                     <a:solidFill>
                       <a:srgbClr val="000000"/>
                     </a:solidFill>
@@ -9232,7 +9242,7 @@
               </a:ln>
               <a:extLst>
                 <a:ext uri="{91240B29-F687-4f45-9708-019B960494DF}">
-                  <a14:hiddenLine xmlns:a14="http://schemas.microsoft.com/office/drawing/2010/main" xmlns="" w="9525">
+                  <a14:hiddenLine xmlns="" xmlns:a14="http://schemas.microsoft.com/office/drawing/2010/main" w="9525">
                     <a:solidFill>
                       <a:srgbClr val="000000"/>
                     </a:solidFill>
@@ -9294,7 +9304,7 @@
               </a:ln>
               <a:extLst>
                 <a:ext uri="{91240B29-F687-4f45-9708-019B960494DF}">
-                  <a14:hiddenLine xmlns:a14="http://schemas.microsoft.com/office/drawing/2010/main" xmlns="" w="9525">
+                  <a14:hiddenLine xmlns="" xmlns:a14="http://schemas.microsoft.com/office/drawing/2010/main" w="9525">
                     <a:solidFill>
                       <a:srgbClr val="000000"/>
                     </a:solidFill>
@@ -9384,7 +9394,7 @@
               </a:ln>
               <a:extLst>
                 <a:ext uri="{91240B29-F687-4f45-9708-019B960494DF}">
-                  <a14:hiddenLine xmlns:a14="http://schemas.microsoft.com/office/drawing/2010/main" xmlns="" w="9525">
+                  <a14:hiddenLine xmlns="" xmlns:a14="http://schemas.microsoft.com/office/drawing/2010/main" w="9525">
                     <a:solidFill>
                       <a:srgbClr val="000000"/>
                     </a:solidFill>
@@ -9446,7 +9456,7 @@
               </a:ln>
               <a:extLst>
                 <a:ext uri="{91240B29-F687-4f45-9708-019B960494DF}">
-                  <a14:hiddenLine xmlns:a14="http://schemas.microsoft.com/office/drawing/2010/main" xmlns="" w="9525">
+                  <a14:hiddenLine xmlns="" xmlns:a14="http://schemas.microsoft.com/office/drawing/2010/main" w="9525">
                     <a:solidFill>
                       <a:srgbClr val="000000"/>
                     </a:solidFill>
@@ -9508,7 +9518,7 @@
               </a:ln>
               <a:extLst>
                 <a:ext uri="{91240B29-F687-4f45-9708-019B960494DF}">
-                  <a14:hiddenLine xmlns:a14="http://schemas.microsoft.com/office/drawing/2010/main" xmlns="" w="9525">
+                  <a14:hiddenLine xmlns="" xmlns:a14="http://schemas.microsoft.com/office/drawing/2010/main" w="9525">
                     <a:solidFill>
                       <a:srgbClr val="000000"/>
                     </a:solidFill>
@@ -9598,7 +9608,7 @@
               </a:ln>
               <a:extLst>
                 <a:ext uri="{91240B29-F687-4f45-9708-019B960494DF}">
-                  <a14:hiddenLine xmlns:a14="http://schemas.microsoft.com/office/drawing/2010/main" xmlns="" w="9525">
+                  <a14:hiddenLine xmlns="" xmlns:a14="http://schemas.microsoft.com/office/drawing/2010/main" w="9525">
                     <a:solidFill>
                       <a:srgbClr val="000000"/>
                     </a:solidFill>
@@ -9688,7 +9698,7 @@
               </a:ln>
               <a:extLst>
                 <a:ext uri="{91240B29-F687-4f45-9708-019B960494DF}">
-                  <a14:hiddenLine xmlns:a14="http://schemas.microsoft.com/office/drawing/2010/main" xmlns="" w="9525">
+                  <a14:hiddenLine xmlns="" xmlns:a14="http://schemas.microsoft.com/office/drawing/2010/main" w="9525">
                     <a:solidFill>
                       <a:srgbClr val="000000"/>
                     </a:solidFill>
@@ -9750,7 +9760,7 @@
               </a:ln>
               <a:extLst>
                 <a:ext uri="{91240B29-F687-4f45-9708-019B960494DF}">
-                  <a14:hiddenLine xmlns:a14="http://schemas.microsoft.com/office/drawing/2010/main" xmlns="" w="9525">
+                  <a14:hiddenLine xmlns="" xmlns:a14="http://schemas.microsoft.com/office/drawing/2010/main" w="9525">
                     <a:solidFill>
                       <a:srgbClr val="000000"/>
                     </a:solidFill>
@@ -9860,7 +9870,7 @@
               </a:ln>
               <a:extLst>
                 <a:ext uri="{91240B29-F687-4f45-9708-019B960494DF}">
-                  <a14:hiddenLine xmlns:a14="http://schemas.microsoft.com/office/drawing/2010/main" xmlns="" w="9525">
+                  <a14:hiddenLine xmlns="" xmlns:a14="http://schemas.microsoft.com/office/drawing/2010/main" w="9525">
                     <a:solidFill>
                       <a:srgbClr val="000000"/>
                     </a:solidFill>
@@ -9944,7 +9954,7 @@
               </a:ln>
               <a:extLst>
                 <a:ext uri="{91240B29-F687-4f45-9708-019B960494DF}">
-                  <a14:hiddenLine xmlns:a14="http://schemas.microsoft.com/office/drawing/2010/main" xmlns="" w="9525">
+                  <a14:hiddenLine xmlns="" xmlns:a14="http://schemas.microsoft.com/office/drawing/2010/main" w="9525">
                     <a:solidFill>
                       <a:srgbClr val="000000"/>
                     </a:solidFill>
@@ -10006,7 +10016,7 @@
               </a:ln>
               <a:extLst>
                 <a:ext uri="{91240B29-F687-4f45-9708-019B960494DF}">
-                  <a14:hiddenLine xmlns:a14="http://schemas.microsoft.com/office/drawing/2010/main" xmlns="" w="9525">
+                  <a14:hiddenLine xmlns="" xmlns:a14="http://schemas.microsoft.com/office/drawing/2010/main" w="9525">
                     <a:solidFill>
                       <a:srgbClr val="000000"/>
                     </a:solidFill>
@@ -10068,7 +10078,7 @@
               </a:ln>
               <a:extLst>
                 <a:ext uri="{91240B29-F687-4f45-9708-019B960494DF}">
-                  <a14:hiddenLine xmlns:a14="http://schemas.microsoft.com/office/drawing/2010/main" xmlns="" w="9525">
+                  <a14:hiddenLine xmlns="" xmlns:a14="http://schemas.microsoft.com/office/drawing/2010/main" w="9525">
                     <a:solidFill>
                       <a:srgbClr val="000000"/>
                     </a:solidFill>
@@ -10158,7 +10168,7 @@
               </a:ln>
               <a:extLst>
                 <a:ext uri="{91240B29-F687-4f45-9708-019B960494DF}">
-                  <a14:hiddenLine xmlns:a14="http://schemas.microsoft.com/office/drawing/2010/main" xmlns="" w="9525">
+                  <a14:hiddenLine xmlns="" xmlns:a14="http://schemas.microsoft.com/office/drawing/2010/main" w="9525">
                     <a:solidFill>
                       <a:srgbClr val="000000"/>
                     </a:solidFill>
@@ -10192,7 +10202,7 @@
               </a:ln>
               <a:extLst>
                 <a:ext uri="{91240B29-F687-4f45-9708-019B960494DF}">
-                  <a14:hiddenLine xmlns:a14="http://schemas.microsoft.com/office/drawing/2010/main" xmlns="" w="9525">
+                  <a14:hiddenLine xmlns="" xmlns:a14="http://schemas.microsoft.com/office/drawing/2010/main" w="9525">
                     <a:solidFill>
                       <a:srgbClr val="000000"/>
                     </a:solidFill>
@@ -10257,7 +10267,7 @@
               </a:ln>
               <a:extLst>
                 <a:ext uri="{91240B29-F687-4f45-9708-019B960494DF}">
-                  <a14:hiddenLine xmlns:a14="http://schemas.microsoft.com/office/drawing/2010/main" xmlns="" w="9525">
+                  <a14:hiddenLine xmlns="" xmlns:a14="http://schemas.microsoft.com/office/drawing/2010/main" w="9525">
                     <a:solidFill>
                       <a:srgbClr val="000000"/>
                     </a:solidFill>
@@ -10347,7 +10357,7 @@
               </a:ln>
               <a:extLst>
                 <a:ext uri="{91240B29-F687-4f45-9708-019B960494DF}">
-                  <a14:hiddenLine xmlns:a14="http://schemas.microsoft.com/office/drawing/2010/main" xmlns="" w="9525">
+                  <a14:hiddenLine xmlns="" xmlns:a14="http://schemas.microsoft.com/office/drawing/2010/main" w="9525">
                     <a:solidFill>
                       <a:srgbClr val="000000"/>
                     </a:solidFill>
@@ -10409,7 +10419,7 @@
               </a:ln>
               <a:extLst>
                 <a:ext uri="{91240B29-F687-4f45-9708-019B960494DF}">
-                  <a14:hiddenLine xmlns:a14="http://schemas.microsoft.com/office/drawing/2010/main" xmlns="" w="9525">
+                  <a14:hiddenLine xmlns="" xmlns:a14="http://schemas.microsoft.com/office/drawing/2010/main" w="9525">
                     <a:solidFill>
                       <a:srgbClr val="000000"/>
                     </a:solidFill>
@@ -10499,7 +10509,7 @@
               </a:ln>
               <a:extLst>
                 <a:ext uri="{91240B29-F687-4f45-9708-019B960494DF}">
-                  <a14:hiddenLine xmlns:a14="http://schemas.microsoft.com/office/drawing/2010/main" xmlns="" w="9525">
+                  <a14:hiddenLine xmlns="" xmlns:a14="http://schemas.microsoft.com/office/drawing/2010/main" w="9525">
                     <a:solidFill>
                       <a:srgbClr val="000000"/>
                     </a:solidFill>
@@ -10564,7 +10574,7 @@
               </a:ln>
               <a:extLst>
                 <a:ext uri="{91240B29-F687-4f45-9708-019B960494DF}">
-                  <a14:hiddenLine xmlns:a14="http://schemas.microsoft.com/office/drawing/2010/main" xmlns="" w="9525">
+                  <a14:hiddenLine xmlns="" xmlns:a14="http://schemas.microsoft.com/office/drawing/2010/main" w="9525">
                     <a:solidFill>
                       <a:srgbClr val="000000"/>
                     </a:solidFill>
@@ -10626,7 +10636,7 @@
               </a:ln>
               <a:extLst>
                 <a:ext uri="{91240B29-F687-4f45-9708-019B960494DF}">
-                  <a14:hiddenLine xmlns:a14="http://schemas.microsoft.com/office/drawing/2010/main" xmlns="" w="9525">
+                  <a14:hiddenLine xmlns="" xmlns:a14="http://schemas.microsoft.com/office/drawing/2010/main" w="9525">
                     <a:solidFill>
                       <a:srgbClr val="000000"/>
                     </a:solidFill>
@@ -10716,7 +10726,7 @@
               </a:ln>
               <a:extLst>
                 <a:ext uri="{91240B29-F687-4f45-9708-019B960494DF}">
-                  <a14:hiddenLine xmlns:a14="http://schemas.microsoft.com/office/drawing/2010/main" xmlns="" w="9525">
+                  <a14:hiddenLine xmlns="" xmlns:a14="http://schemas.microsoft.com/office/drawing/2010/main" w="9525">
                     <a:solidFill>
                       <a:srgbClr val="000000"/>
                     </a:solidFill>
@@ -10806,7 +10816,7 @@
               </a:ln>
               <a:extLst>
                 <a:ext uri="{91240B29-F687-4f45-9708-019B960494DF}">
-                  <a14:hiddenLine xmlns:a14="http://schemas.microsoft.com/office/drawing/2010/main" xmlns="" w="9525">
+                  <a14:hiddenLine xmlns="" xmlns:a14="http://schemas.microsoft.com/office/drawing/2010/main" w="9525">
                     <a:solidFill>
                       <a:srgbClr val="000000"/>
                     </a:solidFill>
@@ -10871,7 +10881,7 @@
               </a:ln>
               <a:extLst>
                 <a:ext uri="{91240B29-F687-4f45-9708-019B960494DF}">
-                  <a14:hiddenLine xmlns:a14="http://schemas.microsoft.com/office/drawing/2010/main" xmlns="" w="9525">
+                  <a14:hiddenLine xmlns="" xmlns:a14="http://schemas.microsoft.com/office/drawing/2010/main" w="9525">
                     <a:solidFill>
                       <a:srgbClr val="000000"/>
                     </a:solidFill>
@@ -10991,7 +11001,7 @@
               </a:ln>
               <a:extLst>
                 <a:ext uri="{91240B29-F687-4f45-9708-019B960494DF}">
-                  <a14:hiddenLine xmlns:a14="http://schemas.microsoft.com/office/drawing/2010/main" xmlns="" w="9525">
+                  <a14:hiddenLine xmlns="" xmlns:a14="http://schemas.microsoft.com/office/drawing/2010/main" w="9525">
                     <a:solidFill>
                       <a:srgbClr val="000000"/>
                     </a:solidFill>
@@ -11072,7 +11082,7 @@
               </a:ln>
               <a:extLst>
                 <a:ext uri="{91240B29-F687-4f45-9708-019B960494DF}">
-                  <a14:hiddenLine xmlns:a14="http://schemas.microsoft.com/office/drawing/2010/main" xmlns="" w="9525">
+                  <a14:hiddenLine xmlns="" xmlns:a14="http://schemas.microsoft.com/office/drawing/2010/main" w="9525">
                     <a:solidFill>
                       <a:srgbClr val="000000"/>
                     </a:solidFill>
@@ -11187,7 +11197,7 @@
               </a:ln>
               <a:extLst>
                 <a:ext uri="{91240B29-F687-4f45-9708-019B960494DF}">
-                  <a14:hiddenLine xmlns:a14="http://schemas.microsoft.com/office/drawing/2010/main" xmlns="" w="9525">
+                  <a14:hiddenLine xmlns="" xmlns:a14="http://schemas.microsoft.com/office/drawing/2010/main" w="9525">
                     <a:solidFill>
                       <a:srgbClr val="000000"/>
                     </a:solidFill>
@@ -11277,7 +11287,7 @@
               </a:ln>
               <a:extLst>
                 <a:ext uri="{91240B29-F687-4f45-9708-019B960494DF}">
-                  <a14:hiddenLine xmlns:a14="http://schemas.microsoft.com/office/drawing/2010/main" xmlns="" w="9525">
+                  <a14:hiddenLine xmlns="" xmlns:a14="http://schemas.microsoft.com/office/drawing/2010/main" w="9525">
                     <a:solidFill>
                       <a:srgbClr val="000000"/>
                     </a:solidFill>
@@ -11342,7 +11352,7 @@
               </a:ln>
               <a:extLst>
                 <a:ext uri="{91240B29-F687-4f45-9708-019B960494DF}">
-                  <a14:hiddenLine xmlns:a14="http://schemas.microsoft.com/office/drawing/2010/main" xmlns="" w="9525">
+                  <a14:hiddenLine xmlns="" xmlns:a14="http://schemas.microsoft.com/office/drawing/2010/main" w="9525">
                     <a:solidFill>
                       <a:srgbClr val="000000"/>
                     </a:solidFill>
@@ -11432,7 +11442,7 @@
               </a:ln>
               <a:extLst>
                 <a:ext uri="{91240B29-F687-4f45-9708-019B960494DF}">
-                  <a14:hiddenLine xmlns:a14="http://schemas.microsoft.com/office/drawing/2010/main" xmlns="" w="9525">
+                  <a14:hiddenLine xmlns="" xmlns:a14="http://schemas.microsoft.com/office/drawing/2010/main" w="9525">
                     <a:solidFill>
                       <a:srgbClr val="000000"/>
                     </a:solidFill>
@@ -11500,7 +11510,7 @@
               </a:ln>
               <a:extLst>
                 <a:ext uri="{91240B29-F687-4f45-9708-019B960494DF}">
-                  <a14:hiddenLine xmlns:a14="http://schemas.microsoft.com/office/drawing/2010/main" xmlns="" w="9525">
+                  <a14:hiddenLine xmlns="" xmlns:a14="http://schemas.microsoft.com/office/drawing/2010/main" w="9525">
                     <a:solidFill>
                       <a:srgbClr val="000000"/>
                     </a:solidFill>
@@ -11590,7 +11600,7 @@
               </a:ln>
               <a:extLst>
                 <a:ext uri="{91240B29-F687-4f45-9708-019B960494DF}">
-                  <a14:hiddenLine xmlns:a14="http://schemas.microsoft.com/office/drawing/2010/main" xmlns="" w="9525">
+                  <a14:hiddenLine xmlns="" xmlns:a14="http://schemas.microsoft.com/office/drawing/2010/main" w="9525">
                     <a:solidFill>
                       <a:srgbClr val="000000"/>
                     </a:solidFill>
@@ -11658,7 +11668,7 @@
               </a:ln>
               <a:extLst>
                 <a:ext uri="{91240B29-F687-4f45-9708-019B960494DF}">
-                  <a14:hiddenLine xmlns:a14="http://schemas.microsoft.com/office/drawing/2010/main" xmlns="" w="9525">
+                  <a14:hiddenLine xmlns="" xmlns:a14="http://schemas.microsoft.com/office/drawing/2010/main" w="9525">
                     <a:solidFill>
                       <a:srgbClr val="000000"/>
                     </a:solidFill>
@@ -11748,7 +11758,7 @@
               </a:ln>
               <a:extLst>
                 <a:ext uri="{91240B29-F687-4f45-9708-019B960494DF}">
-                  <a14:hiddenLine xmlns:a14="http://schemas.microsoft.com/office/drawing/2010/main" xmlns="" w="9525">
+                  <a14:hiddenLine xmlns="" xmlns:a14="http://schemas.microsoft.com/office/drawing/2010/main" w="9525">
                     <a:solidFill>
                       <a:srgbClr val="000000"/>
                     </a:solidFill>
@@ -11782,7 +11792,7 @@
               </a:ln>
               <a:extLst>
                 <a:ext uri="{91240B29-F687-4f45-9708-019B960494DF}">
-                  <a14:hiddenLine xmlns:a14="http://schemas.microsoft.com/office/drawing/2010/main" xmlns="" w="9525">
+                  <a14:hiddenLine xmlns="" xmlns:a14="http://schemas.microsoft.com/office/drawing/2010/main" w="9525">
                     <a:solidFill>
                       <a:srgbClr val="000000"/>
                     </a:solidFill>
@@ -11923,7 +11933,7 @@
             <a:fld id="{48A87A34-81AB-432B-8DAE-1953F412C126}" type="datetimeFigureOut">
               <a:rPr lang="en-US" dirty="0"/>
               <a:pPr/>
-              <a:t>5/23/2018</a:t>
+              <a:t>5/30/2018</a:t>
             </a:fld>
             <a:endParaRPr lang="en-US" dirty="0"/>
           </a:p>
@@ -12408,6 +12418,611 @@
 </p:sld>
 </file>
 
+<file path=ppt/slides/slide2.xml><?xml version="1.0" encoding="utf-8"?>
+<p:sld xmlns:a="http://schemas.openxmlformats.org/drawingml/2006/main" xmlns:r="http://schemas.openxmlformats.org/officeDocument/2006/relationships" xmlns:p="http://schemas.openxmlformats.org/presentationml/2006/main">
+  <p:cSld>
+    <p:spTree>
+      <p:nvGrpSpPr>
+        <p:cNvPr id="1" name=""/>
+        <p:cNvGrpSpPr/>
+        <p:nvPr/>
+      </p:nvGrpSpPr>
+      <p:grpSpPr>
+        <a:xfrm>
+          <a:off x="0" y="0"/>
+          <a:ext cx="0" cy="0"/>
+          <a:chOff x="0" y="0"/>
+          <a:chExt cx="0" cy="0"/>
+        </a:xfrm>
+      </p:grpSpPr>
+      <p:sp>
+        <p:nvSpPr>
+          <p:cNvPr id="2" name="Title 1">
+            <a:extLst>
+              <a:ext uri="{FF2B5EF4-FFF2-40B4-BE49-F238E27FC236}">
+                <a16:creationId xmlns:a16="http://schemas.microsoft.com/office/drawing/2014/main" id="{C710C6F1-40A7-4EDA-A685-0559E545CD42}"/>
+              </a:ext>
+            </a:extLst>
+          </p:cNvPr>
+          <p:cNvSpPr>
+            <a:spLocks noGrp="1"/>
+          </p:cNvSpPr>
+          <p:nvPr>
+            <p:ph type="title"/>
+          </p:nvPr>
+        </p:nvSpPr>
+        <p:spPr/>
+        <p:txBody>
+          <a:bodyPr/>
+          <a:lstStyle/>
+          <a:p>
+            <a:r>
+              <a:rPr lang="en-US" dirty="0"/>
+              <a:t>Cause and Effect</a:t>
+            </a:r>
+          </a:p>
+        </p:txBody>
+      </p:sp>
+      <p:sp>
+        <p:nvSpPr>
+          <p:cNvPr id="3" name="Content Placeholder 2">
+            <a:extLst>
+              <a:ext uri="{FF2B5EF4-FFF2-40B4-BE49-F238E27FC236}">
+                <a16:creationId xmlns:a16="http://schemas.microsoft.com/office/drawing/2014/main" id="{10B65DC0-47EB-4C71-90E0-D5809736D6A0}"/>
+              </a:ext>
+            </a:extLst>
+          </p:cNvPr>
+          <p:cNvSpPr>
+            <a:spLocks noGrp="1"/>
+          </p:cNvSpPr>
+          <p:nvPr>
+            <p:ph idx="1"/>
+          </p:nvPr>
+        </p:nvSpPr>
+        <p:spPr/>
+        <p:txBody>
+          <a:bodyPr/>
+          <a:lstStyle/>
+          <a:p>
+            <a:r>
+              <a:rPr lang="en-US" dirty="0"/>
+              <a:t>JavaScript Events are related to cause and effect</a:t>
+            </a:r>
+          </a:p>
+          <a:p>
+            <a:r>
+              <a:rPr lang="en-US" dirty="0"/>
+              <a:t>First the cause(event), then the effect(result of the code ran by the event)</a:t>
+            </a:r>
+          </a:p>
+          <a:p>
+            <a:r>
+              <a:rPr lang="en-US" dirty="0"/>
+              <a:t>The cause is what happened(click, change, </a:t>
+            </a:r>
+            <a:r>
+              <a:rPr lang="en-US" dirty="0" err="1"/>
+              <a:t>keydown</a:t>
+            </a:r>
+            <a:r>
+              <a:rPr lang="en-US" dirty="0"/>
+              <a:t>, </a:t>
+            </a:r>
+            <a:r>
+              <a:rPr lang="en-US" dirty="0" err="1"/>
+              <a:t>ect</a:t>
+            </a:r>
+            <a:r>
+              <a:rPr lang="en-US" dirty="0"/>
+              <a:t>…)</a:t>
+            </a:r>
+          </a:p>
+          <a:p>
+            <a:r>
+              <a:rPr lang="en-US" dirty="0"/>
+              <a:t>The result is the effect(form submit, color change, page transition, </a:t>
+            </a:r>
+            <a:r>
+              <a:rPr lang="en-US" dirty="0" err="1"/>
+              <a:t>ect</a:t>
+            </a:r>
+            <a:r>
+              <a:rPr lang="en-US" dirty="0"/>
+              <a:t>…)</a:t>
+            </a:r>
+          </a:p>
+          <a:p>
+            <a:r>
+              <a:rPr lang="en-US" dirty="0"/>
+              <a:t>All JavaScript events should have an effect!</a:t>
+            </a:r>
+          </a:p>
+        </p:txBody>
+      </p:sp>
+    </p:spTree>
+    <p:extLst>
+      <p:ext uri="{BB962C8B-B14F-4D97-AF65-F5344CB8AC3E}">
+        <p14:creationId xmlns:p14="http://schemas.microsoft.com/office/powerpoint/2010/main" val="2891474813"/>
+      </p:ext>
+    </p:extLst>
+  </p:cSld>
+  <p:clrMapOvr>
+    <a:masterClrMapping/>
+  </p:clrMapOvr>
+</p:sld>
+</file>
+
+<file path=ppt/slides/slide3.xml><?xml version="1.0" encoding="utf-8"?>
+<p:sld xmlns:a="http://schemas.openxmlformats.org/drawingml/2006/main" xmlns:r="http://schemas.openxmlformats.org/officeDocument/2006/relationships" xmlns:p="http://schemas.openxmlformats.org/presentationml/2006/main">
+  <p:cSld>
+    <p:spTree>
+      <p:nvGrpSpPr>
+        <p:cNvPr id="1" name=""/>
+        <p:cNvGrpSpPr/>
+        <p:nvPr/>
+      </p:nvGrpSpPr>
+      <p:grpSpPr>
+        <a:xfrm>
+          <a:off x="0" y="0"/>
+          <a:ext cx="0" cy="0"/>
+          <a:chOff x="0" y="0"/>
+          <a:chExt cx="0" cy="0"/>
+        </a:xfrm>
+      </p:grpSpPr>
+      <p:sp>
+        <p:nvSpPr>
+          <p:cNvPr id="2" name="Title 1">
+            <a:extLst>
+              <a:ext uri="{FF2B5EF4-FFF2-40B4-BE49-F238E27FC236}">
+                <a16:creationId xmlns:a16="http://schemas.microsoft.com/office/drawing/2014/main" id="{EFE39FAF-73AB-4E71-9CFE-10FE4F99767C}"/>
+              </a:ext>
+            </a:extLst>
+          </p:cNvPr>
+          <p:cNvSpPr>
+            <a:spLocks noGrp="1"/>
+          </p:cNvSpPr>
+          <p:nvPr>
+            <p:ph type="title"/>
+          </p:nvPr>
+        </p:nvSpPr>
+        <p:spPr/>
+        <p:txBody>
+          <a:bodyPr/>
+          <a:lstStyle/>
+          <a:p>
+            <a:r>
+              <a:rPr lang="en-US" dirty="0"/>
+              <a:t>Basic Syntax</a:t>
+            </a:r>
+          </a:p>
+        </p:txBody>
+      </p:sp>
+      <p:sp>
+        <p:nvSpPr>
+          <p:cNvPr id="3" name="Content Placeholder 2">
+            <a:extLst>
+              <a:ext uri="{FF2B5EF4-FFF2-40B4-BE49-F238E27FC236}">
+                <a16:creationId xmlns:a16="http://schemas.microsoft.com/office/drawing/2014/main" id="{DB80932C-B202-4258-A9E5-E3CAB26B9FDD}"/>
+              </a:ext>
+            </a:extLst>
+          </p:cNvPr>
+          <p:cNvSpPr>
+            <a:spLocks noGrp="1"/>
+          </p:cNvSpPr>
+          <p:nvPr>
+            <p:ph idx="1"/>
+          </p:nvPr>
+        </p:nvSpPr>
+        <p:spPr/>
+        <p:txBody>
+          <a:bodyPr/>
+          <a:lstStyle/>
+          <a:p>
+            <a:r>
+              <a:rPr lang="en-US" dirty="0"/>
+              <a:t>Two ways to write JavaScript Events</a:t>
+            </a:r>
+          </a:p>
+          <a:p>
+            <a:r>
+              <a:rPr lang="en-US" dirty="0"/>
+              <a:t>In-line HTML or in JavaScript event listeners</a:t>
+            </a:r>
+          </a:p>
+          <a:p>
+            <a:pPr marL="0" indent="0">
+              <a:buNone/>
+            </a:pPr>
+            <a:endParaRPr lang="en-US" dirty="0"/>
+          </a:p>
+        </p:txBody>
+      </p:sp>
+    </p:spTree>
+    <p:extLst>
+      <p:ext uri="{BB962C8B-B14F-4D97-AF65-F5344CB8AC3E}">
+        <p14:creationId xmlns:p14="http://schemas.microsoft.com/office/powerpoint/2010/main" val="2554072572"/>
+      </p:ext>
+    </p:extLst>
+  </p:cSld>
+  <p:clrMapOvr>
+    <a:masterClrMapping/>
+  </p:clrMapOvr>
+</p:sld>
+</file>
+
+<file path=ppt/slides/slide4.xml><?xml version="1.0" encoding="utf-8"?>
+<p:sld xmlns:a="http://schemas.openxmlformats.org/drawingml/2006/main" xmlns:r="http://schemas.openxmlformats.org/officeDocument/2006/relationships" xmlns:p="http://schemas.openxmlformats.org/presentationml/2006/main">
+  <p:cSld>
+    <p:spTree>
+      <p:nvGrpSpPr>
+        <p:cNvPr id="1" name=""/>
+        <p:cNvGrpSpPr/>
+        <p:nvPr/>
+      </p:nvGrpSpPr>
+      <p:grpSpPr>
+        <a:xfrm>
+          <a:off x="0" y="0"/>
+          <a:ext cx="0" cy="0"/>
+          <a:chOff x="0" y="0"/>
+          <a:chExt cx="0" cy="0"/>
+        </a:xfrm>
+      </p:grpSpPr>
+      <p:sp>
+        <p:nvSpPr>
+          <p:cNvPr id="2" name="Title 1">
+            <a:extLst>
+              <a:ext uri="{FF2B5EF4-FFF2-40B4-BE49-F238E27FC236}">
+                <a16:creationId xmlns:a16="http://schemas.microsoft.com/office/drawing/2014/main" id="{3E193EE7-5725-4EF8-9ECA-34FB7B118E61}"/>
+              </a:ext>
+            </a:extLst>
+          </p:cNvPr>
+          <p:cNvSpPr>
+            <a:spLocks noGrp="1"/>
+          </p:cNvSpPr>
+          <p:nvPr>
+            <p:ph type="title"/>
+          </p:nvPr>
+        </p:nvSpPr>
+        <p:spPr/>
+        <p:txBody>
+          <a:bodyPr/>
+          <a:lstStyle/>
+          <a:p>
+            <a:r>
+              <a:rPr lang="en-US" dirty="0"/>
+              <a:t>In-line html</a:t>
+            </a:r>
+          </a:p>
+        </p:txBody>
+      </p:sp>
+      <p:sp>
+        <p:nvSpPr>
+          <p:cNvPr id="3" name="Content Placeholder 2">
+            <a:extLst>
+              <a:ext uri="{FF2B5EF4-FFF2-40B4-BE49-F238E27FC236}">
+                <a16:creationId xmlns:a16="http://schemas.microsoft.com/office/drawing/2014/main" id="{2712A487-ECE9-4C77-B694-E95805F52BEA}"/>
+              </a:ext>
+            </a:extLst>
+          </p:cNvPr>
+          <p:cNvSpPr>
+            <a:spLocks noGrp="1"/>
+          </p:cNvSpPr>
+          <p:nvPr>
+            <p:ph idx="1"/>
+          </p:nvPr>
+        </p:nvSpPr>
+        <p:spPr/>
+        <p:txBody>
+          <a:bodyPr/>
+          <a:lstStyle/>
+          <a:p>
+            <a:r>
+              <a:rPr lang="en-US" dirty="0"/>
+              <a:t>&lt;</a:t>
+            </a:r>
+            <a:r>
+              <a:rPr lang="en-US" dirty="0" err="1"/>
+              <a:t>textarea</a:t>
+            </a:r>
+            <a:r>
+              <a:rPr lang="en-US" dirty="0"/>
+              <a:t> </a:t>
+            </a:r>
+            <a:r>
+              <a:rPr lang="en-US" dirty="0" err="1"/>
+              <a:t>onblur</a:t>
+            </a:r>
+            <a:r>
+              <a:rPr lang="en-US" dirty="0"/>
+              <a:t>="</a:t>
+            </a:r>
+            <a:r>
+              <a:rPr lang="en-US" i="1" dirty="0"/>
+              <a:t>Your code here"&gt;&lt;/</a:t>
+            </a:r>
+            <a:r>
+              <a:rPr lang="en-US" i="1" dirty="0" err="1"/>
+              <a:t>textarea</a:t>
+            </a:r>
+            <a:r>
+              <a:rPr lang="en-US" i="1" dirty="0"/>
+              <a:t>&gt;</a:t>
+            </a:r>
+          </a:p>
+          <a:p>
+            <a:r>
+              <a:rPr lang="en-US" dirty="0"/>
+              <a:t>&lt;input type="radio" </a:t>
+            </a:r>
+            <a:r>
+              <a:rPr lang="en-US" dirty="0" err="1"/>
+              <a:t>onchange</a:t>
+            </a:r>
+            <a:r>
+              <a:rPr lang="en-US" dirty="0"/>
+              <a:t>="</a:t>
+            </a:r>
+            <a:r>
+              <a:rPr lang="en-US" i="1" dirty="0"/>
+              <a:t>Your code here</a:t>
+            </a:r>
+            <a:r>
+              <a:rPr lang="en-US" dirty="0"/>
+              <a:t>"&gt;</a:t>
+            </a:r>
+          </a:p>
+          <a:p>
+            <a:r>
+              <a:rPr lang="en-US" dirty="0"/>
+              <a:t>&lt;button onclick="</a:t>
+            </a:r>
+            <a:r>
+              <a:rPr lang="en-US" i="1" dirty="0"/>
+              <a:t>Your code here</a:t>
+            </a:r>
+            <a:r>
+              <a:rPr lang="en-US" dirty="0"/>
+              <a:t>"&gt;&lt;/button&gt;</a:t>
+            </a:r>
+          </a:p>
+        </p:txBody>
+      </p:sp>
+    </p:spTree>
+    <p:extLst>
+      <p:ext uri="{BB962C8B-B14F-4D97-AF65-F5344CB8AC3E}">
+        <p14:creationId xmlns:p14="http://schemas.microsoft.com/office/powerpoint/2010/main" val="937840333"/>
+      </p:ext>
+    </p:extLst>
+  </p:cSld>
+  <p:clrMapOvr>
+    <a:masterClrMapping/>
+  </p:clrMapOvr>
+</p:sld>
+</file>
+
+<file path=ppt/slides/slide5.xml><?xml version="1.0" encoding="utf-8"?>
+<p:sld xmlns:a="http://schemas.openxmlformats.org/drawingml/2006/main" xmlns:r="http://schemas.openxmlformats.org/officeDocument/2006/relationships" xmlns:p="http://schemas.openxmlformats.org/presentationml/2006/main">
+  <p:cSld>
+    <p:spTree>
+      <p:nvGrpSpPr>
+        <p:cNvPr id="1" name=""/>
+        <p:cNvGrpSpPr/>
+        <p:nvPr/>
+      </p:nvGrpSpPr>
+      <p:grpSpPr>
+        <a:xfrm>
+          <a:off x="0" y="0"/>
+          <a:ext cx="0" cy="0"/>
+          <a:chOff x="0" y="0"/>
+          <a:chExt cx="0" cy="0"/>
+        </a:xfrm>
+      </p:grpSpPr>
+      <p:sp>
+        <p:nvSpPr>
+          <p:cNvPr id="2" name="Title 1">
+            <a:extLst>
+              <a:ext uri="{FF2B5EF4-FFF2-40B4-BE49-F238E27FC236}">
+                <a16:creationId xmlns:a16="http://schemas.microsoft.com/office/drawing/2014/main" id="{2194A94A-B525-4229-9579-8E5D9F9BBF42}"/>
+              </a:ext>
+            </a:extLst>
+          </p:cNvPr>
+          <p:cNvSpPr>
+            <a:spLocks noGrp="1"/>
+          </p:cNvSpPr>
+          <p:nvPr>
+            <p:ph type="title"/>
+          </p:nvPr>
+        </p:nvSpPr>
+        <p:spPr/>
+        <p:txBody>
+          <a:bodyPr/>
+          <a:lstStyle/>
+          <a:p>
+            <a:r>
+              <a:rPr lang="en-US" dirty="0"/>
+              <a:t>JavaScript event listeners</a:t>
+            </a:r>
+          </a:p>
+        </p:txBody>
+      </p:sp>
+      <p:sp>
+        <p:nvSpPr>
+          <p:cNvPr id="3" name="Content Placeholder 2">
+            <a:extLst>
+              <a:ext uri="{FF2B5EF4-FFF2-40B4-BE49-F238E27FC236}">
+                <a16:creationId xmlns:a16="http://schemas.microsoft.com/office/drawing/2014/main" id="{3E429E84-D9C1-4891-A65C-DE82CFAFB929}"/>
+              </a:ext>
+            </a:extLst>
+          </p:cNvPr>
+          <p:cNvSpPr>
+            <a:spLocks noGrp="1"/>
+          </p:cNvSpPr>
+          <p:nvPr>
+            <p:ph idx="1"/>
+          </p:nvPr>
+        </p:nvSpPr>
+        <p:spPr/>
+        <p:txBody>
+          <a:bodyPr/>
+          <a:lstStyle/>
+          <a:p>
+            <a:r>
+              <a:rPr lang="en-US" i="1" dirty="0" err="1"/>
+              <a:t>element.addEventListener</a:t>
+            </a:r>
+            <a:r>
+              <a:rPr lang="en-US" i="1" dirty="0"/>
+              <a:t>("blur", () =&gt; {Your code here});</a:t>
+            </a:r>
+          </a:p>
+          <a:p>
+            <a:r>
+              <a:rPr lang="en-US" i="1" dirty="0" err="1"/>
+              <a:t>element</a:t>
+            </a:r>
+            <a:r>
+              <a:rPr lang="en-US" dirty="0" err="1"/>
+              <a:t>.addEventListener</a:t>
+            </a:r>
+            <a:r>
+              <a:rPr lang="en-US" dirty="0"/>
+              <a:t>("change", () =&gt; {</a:t>
+            </a:r>
+            <a:r>
+              <a:rPr lang="en-US" i="1" dirty="0"/>
+              <a:t>Your code here</a:t>
+            </a:r>
+            <a:r>
+              <a:rPr lang="en-US" dirty="0"/>
+              <a:t>});</a:t>
+            </a:r>
+          </a:p>
+          <a:p>
+            <a:r>
+              <a:rPr lang="en-US" i="1" dirty="0" err="1"/>
+              <a:t>element</a:t>
+            </a:r>
+            <a:r>
+              <a:rPr lang="en-US" dirty="0" err="1"/>
+              <a:t>.addEventListener</a:t>
+            </a:r>
+            <a:r>
+              <a:rPr lang="en-US" dirty="0"/>
+              <a:t>("click", () =&gt; {</a:t>
+            </a:r>
+            <a:r>
+              <a:rPr lang="en-US" i="1" dirty="0"/>
+              <a:t>Your code here</a:t>
+            </a:r>
+            <a:r>
+              <a:rPr lang="en-US" dirty="0"/>
+              <a:t>});</a:t>
+            </a:r>
+          </a:p>
+        </p:txBody>
+      </p:sp>
+    </p:spTree>
+    <p:extLst>
+      <p:ext uri="{BB962C8B-B14F-4D97-AF65-F5344CB8AC3E}">
+        <p14:creationId xmlns:p14="http://schemas.microsoft.com/office/powerpoint/2010/main" val="3238267049"/>
+      </p:ext>
+    </p:extLst>
+  </p:cSld>
+  <p:clrMapOvr>
+    <a:masterClrMapping/>
+  </p:clrMapOvr>
+</p:sld>
+</file>
+
+<file path=ppt/slides/slide6.xml><?xml version="1.0" encoding="utf-8"?>
+<p:sld xmlns:a="http://schemas.openxmlformats.org/drawingml/2006/main" xmlns:r="http://schemas.openxmlformats.org/officeDocument/2006/relationships" xmlns:p="http://schemas.openxmlformats.org/presentationml/2006/main">
+  <p:cSld>
+    <p:spTree>
+      <p:nvGrpSpPr>
+        <p:cNvPr id="1" name=""/>
+        <p:cNvGrpSpPr/>
+        <p:nvPr/>
+      </p:nvGrpSpPr>
+      <p:grpSpPr>
+        <a:xfrm>
+          <a:off x="0" y="0"/>
+          <a:ext cx="0" cy="0"/>
+          <a:chOff x="0" y="0"/>
+          <a:chExt cx="0" cy="0"/>
+        </a:xfrm>
+      </p:grpSpPr>
+      <p:sp>
+        <p:nvSpPr>
+          <p:cNvPr id="2" name="Title 1">
+            <a:extLst>
+              <a:ext uri="{FF2B5EF4-FFF2-40B4-BE49-F238E27FC236}">
+                <a16:creationId xmlns:a16="http://schemas.microsoft.com/office/drawing/2014/main" id="{F5E602EC-BFEF-4691-8B61-E32D32A1AB3D}"/>
+              </a:ext>
+            </a:extLst>
+          </p:cNvPr>
+          <p:cNvSpPr>
+            <a:spLocks noGrp="1"/>
+          </p:cNvSpPr>
+          <p:nvPr>
+            <p:ph type="title"/>
+          </p:nvPr>
+        </p:nvSpPr>
+        <p:spPr/>
+        <p:txBody>
+          <a:bodyPr/>
+          <a:lstStyle/>
+          <a:p>
+            <a:r>
+              <a:rPr lang="en-US" dirty="0"/>
+              <a:t>List of JavaScript Events</a:t>
+            </a:r>
+          </a:p>
+        </p:txBody>
+      </p:sp>
+      <p:sp>
+        <p:nvSpPr>
+          <p:cNvPr id="3" name="Content Placeholder 2">
+            <a:extLst>
+              <a:ext uri="{FF2B5EF4-FFF2-40B4-BE49-F238E27FC236}">
+                <a16:creationId xmlns:a16="http://schemas.microsoft.com/office/drawing/2014/main" id="{4C4CC557-DF7E-437C-91E5-1734BD819F84}"/>
+              </a:ext>
+            </a:extLst>
+          </p:cNvPr>
+          <p:cNvSpPr>
+            <a:spLocks noGrp="1"/>
+          </p:cNvSpPr>
+          <p:nvPr>
+            <p:ph idx="1"/>
+          </p:nvPr>
+        </p:nvSpPr>
+        <p:spPr/>
+        <p:txBody>
+          <a:bodyPr/>
+          <a:lstStyle/>
+          <a:p>
+            <a:r>
+              <a:rPr lang="en-US" dirty="0">
+                <a:hlinkClick r:id="rId2"/>
+              </a:rPr>
+              <a:t>https://www.w3schools.com/jsref/dom_obj_event.asp</a:t>
+            </a:r>
+            <a:endParaRPr lang="en-US" dirty="0"/>
+          </a:p>
+        </p:txBody>
+      </p:sp>
+    </p:spTree>
+    <p:extLst>
+      <p:ext uri="{BB962C8B-B14F-4D97-AF65-F5344CB8AC3E}">
+        <p14:creationId xmlns:p14="http://schemas.microsoft.com/office/powerpoint/2010/main" val="3657694294"/>
+      </p:ext>
+    </p:extLst>
+  </p:cSld>
+  <p:clrMapOvr>
+    <a:masterClrMapping/>
+  </p:clrMapOvr>
+</p:sld>
+</file>
+
 <file path=ppt/theme/theme1.xml><?xml version="1.0" encoding="utf-8"?>
 <a:theme xmlns:a="http://schemas.openxmlformats.org/drawingml/2006/main" name="Circuit">
   <a:themeElements>
